--- a/summary/Loss&Activation Function.pptx
+++ b/summary/Loss&Activation Function.pptx
@@ -2002,16 +2002,54 @@
             <a:defRPr cap="all"/>
           </a:pPr>
           <a:r>
-            <a:rPr lang="en-US"/>
+            <a:rPr lang="en-US" dirty="0"/>
             <a:t>- </a:t>
           </a:r>
           <a:r>
-            <a:rPr lang="ko-KR"/>
-            <a:t>손실 함수 또는 비용함수 </a:t>
+            <a:rPr lang="ko-KR" dirty="0"/>
+            <a:t>손실 함수 </a:t>
           </a:r>
           <a:r>
-            <a:rPr lang="en-US"/>
+            <a:rPr lang="en-US" altLang="ko-KR" dirty="0"/>
+            <a:t>( Loss function)</a:t>
+          </a:r>
+        </a:p>
+        <a:p>
+          <a:pPr>
+            <a:defRPr cap="all"/>
+          </a:pPr>
+          <a:r>
+            <a:rPr lang="en-US" altLang="ko-KR" dirty="0"/>
+            <a:t>- </a:t>
+          </a:r>
+          <a:r>
+            <a:rPr lang="ko-KR" dirty="0"/>
+            <a:t>비용함수 </a:t>
+          </a:r>
+          <a:r>
+            <a:rPr lang="en-US" dirty="0"/>
             <a:t>(Cost Function)</a:t>
+          </a:r>
+        </a:p>
+        <a:p>
+          <a:pPr>
+            <a:defRPr cap="all"/>
+          </a:pPr>
+          <a:r>
+            <a:rPr lang="en-US" dirty="0"/>
+            <a:t>- </a:t>
+          </a:r>
+          <a:r>
+            <a:rPr lang="ko-KR" altLang="en-US" dirty="0"/>
+            <a:t>목적함수</a:t>
+          </a:r>
+          <a:r>
+            <a:rPr lang="en-US" altLang="ko-KR" dirty="0"/>
+            <a:t>(</a:t>
+          </a:r>
+          <a:r>
+            <a:rPr lang="en-US" dirty="0"/>
+            <a:t>Objective function)</a:t>
           </a:r>
         </a:p>
       </dgm:t>
@@ -2049,14 +2087,65 @@
             <a:defRPr cap="all"/>
           </a:pPr>
           <a:r>
-            <a:rPr lang="en-US"/>
+            <a:rPr lang="en-US" dirty="0"/>
             <a:t>- </a:t>
           </a:r>
           <a:r>
-            <a:rPr lang="ko-KR"/>
-            <a:t>예측값과 실제값의 차이</a:t>
+            <a:rPr lang="ko-KR" dirty="0"/>
+            <a:t>예측</a:t>
           </a:r>
-          <a:endParaRPr lang="en-US"/>
+          <a:r>
+            <a:rPr lang="en-US" altLang="ko-KR" dirty="0"/>
+            <a:t> </a:t>
+          </a:r>
+          <a:r>
+            <a:rPr lang="ko-KR" dirty="0"/>
+            <a:t>값과 실제</a:t>
+          </a:r>
+          <a:r>
+            <a:rPr lang="en-US" altLang="ko-KR" dirty="0"/>
+            <a:t> </a:t>
+          </a:r>
+          <a:r>
+            <a:rPr lang="ko-KR" dirty="0"/>
+            <a:t>값의 차이</a:t>
+          </a:r>
+          <a:endParaRPr lang="en-US" altLang="ko-KR" dirty="0"/>
+        </a:p>
+        <a:p>
+          <a:pPr>
+            <a:defRPr cap="all"/>
+          </a:pPr>
+          <a:r>
+            <a:rPr lang="en-US" dirty="0"/>
+            <a:t>- </a:t>
+          </a:r>
+          <a:r>
+            <a:rPr lang="ko-KR" altLang="en-US" dirty="0"/>
+            <a:t>최적화 </a:t>
+          </a:r>
+          <a:r>
+            <a:rPr lang="en-US" altLang="ko-KR" dirty="0"/>
+            <a:t>(optimization)</a:t>
+          </a:r>
+        </a:p>
+        <a:p>
+          <a:pPr>
+            <a:defRPr cap="all"/>
+          </a:pPr>
+          <a:r>
+            <a:rPr lang="en-US" dirty="0"/>
+            <a:t>- </a:t>
+          </a:r>
+          <a:r>
+            <a:rPr lang="ko-KR" altLang="en-US" dirty="0"/>
+            <a:t>일반화 </a:t>
+          </a:r>
+          <a:r>
+            <a:rPr lang="en-US" altLang="ko-KR" dirty="0"/>
+            <a:t>(Generalization)</a:t>
+          </a:r>
+          <a:endParaRPr lang="en-US" dirty="0"/>
         </a:p>
       </dgm:t>
     </dgm:pt>
@@ -2132,7 +2221,7 @@
       <dgm:spPr/>
     </dgm:pt>
     <dgm:pt modelId="{11C5AFE3-CC94-44B9-8D5F-2D834AD8FA37}" type="pres">
-      <dgm:prSet presAssocID="{E52F8C00-D28F-4F75-BF3E-3825A2AD5D61}" presName="textRect" presStyleLbl="revTx" presStyleIdx="0" presStyleCnt="2">
+      <dgm:prSet presAssocID="{E52F8C00-D28F-4F75-BF3E-3825A2AD5D61}" presName="textRect" presStyleLbl="revTx" presStyleIdx="0" presStyleCnt="2" custScaleY="171514">
         <dgm:presLayoutVars>
           <dgm:chMax val="1"/>
           <dgm:chPref val="1"/>
@@ -2149,11 +2238,11 @@
       <dgm:spPr/>
     </dgm:pt>
     <dgm:pt modelId="{8C5C63D4-126D-47A6-B49E-204A3D8CE2B6}" type="pres">
-      <dgm:prSet presAssocID="{7A851C77-0351-4474-B3C6-6E22A1B7CEB2}" presName="iconBgRect" presStyleLbl="bgShp" presStyleIdx="1" presStyleCnt="2"/>
+      <dgm:prSet presAssocID="{7A851C77-0351-4474-B3C6-6E22A1B7CEB2}" presName="iconBgRect" presStyleLbl="bgShp" presStyleIdx="1" presStyleCnt="2" custLinFactNeighborX="-63974" custLinFactNeighborY="-1359"/>
       <dgm:spPr/>
     </dgm:pt>
     <dgm:pt modelId="{C7C40EBC-0596-41FE-834F-A5079D406DBD}" type="pres">
-      <dgm:prSet presAssocID="{7A851C77-0351-4474-B3C6-6E22A1B7CEB2}" presName="iconRect" presStyleLbl="node1" presStyleIdx="1" presStyleCnt="2"/>
+      <dgm:prSet presAssocID="{7A851C77-0351-4474-B3C6-6E22A1B7CEB2}" presName="iconRect" presStyleLbl="node1" presStyleIdx="1" presStyleCnt="2" custLinFactX="-10700" custLinFactNeighborX="-100000"/>
       <dgm:spPr>
         <a:blipFill>
           <a:blip xmlns:r="http://schemas.openxmlformats.org/officeDocument/2006/relationships" r:embed="rId3">
@@ -2185,7 +2274,7 @@
       <dgm:spPr/>
     </dgm:pt>
     <dgm:pt modelId="{317C5BE2-9A14-4945-A741-AFF0E9D49CA6}" type="pres">
-      <dgm:prSet presAssocID="{7A851C77-0351-4474-B3C6-6E22A1B7CEB2}" presName="textRect" presStyleLbl="revTx" presStyleIdx="1" presStyleCnt="2">
+      <dgm:prSet presAssocID="{7A851C77-0351-4474-B3C6-6E22A1B7CEB2}" presName="textRect" presStyleLbl="revTx" presStyleIdx="1" presStyleCnt="2" custLinFactNeighborX="-43822" custLinFactNeighborY="-55563">
         <dgm:presLayoutVars>
           <dgm:chMax val="1"/>
           <dgm:chPref val="1"/>
@@ -2487,8 +2576,8 @@
       </dsp:nvSpPr>
       <dsp:spPr>
         <a:xfrm>
-          <a:off x="1816199" y="93039"/>
-          <a:ext cx="2196000" cy="2196000"/>
+          <a:off x="1129003" y="451"/>
+          <a:ext cx="2024437" cy="2024437"/>
         </a:xfrm>
         <a:prstGeom prst="ellipse">
           <a:avLst/>
@@ -2526,8 +2615,8 @@
       </dsp:nvSpPr>
       <dsp:spPr>
         <a:xfrm>
-          <a:off x="2284199" y="561039"/>
-          <a:ext cx="1260000" cy="1260000"/>
+          <a:off x="1560440" y="431888"/>
+          <a:ext cx="1161562" cy="1161562"/>
         </a:xfrm>
         <a:prstGeom prst="rect">
           <a:avLst/>
@@ -2576,8 +2665,8 @@
       </dsp:nvSpPr>
       <dsp:spPr>
         <a:xfrm>
-          <a:off x="1114199" y="2973040"/>
-          <a:ext cx="3600000" cy="720000"/>
+          <a:off x="481846" y="2357774"/>
+          <a:ext cx="3318750" cy="1427854"/>
         </a:xfrm>
         <a:prstGeom prst="rect">
           <a:avLst/>
@@ -2606,7 +2695,7 @@
         </a:bodyPr>
         <a:lstStyle/>
         <a:p>
-          <a:pPr marL="0" lvl="0" indent="0" algn="ctr" defTabSz="755650">
+          <a:pPr marL="0" lvl="0" indent="0" algn="ctr" defTabSz="488950">
             <a:lnSpc>
               <a:spcPct val="90000"/>
             </a:lnSpc>
@@ -2620,22 +2709,80 @@
             <a:defRPr cap="all"/>
           </a:pPr>
           <a:r>
-            <a:rPr lang="en-US" sz="1700" kern="1200"/>
+            <a:rPr lang="en-US" sz="1100" kern="1200" dirty="0"/>
             <a:t>- </a:t>
           </a:r>
           <a:r>
-            <a:rPr lang="ko-KR" sz="1700" kern="1200"/>
-            <a:t>손실 함수 또는 비용함수 </a:t>
+            <a:rPr lang="ko-KR" sz="1100" kern="1200" dirty="0"/>
+            <a:t>손실 함수 </a:t>
           </a:r>
           <a:r>
-            <a:rPr lang="en-US" sz="1700" kern="1200"/>
+            <a:rPr lang="en-US" altLang="ko-KR" sz="1100" kern="1200" dirty="0"/>
+            <a:t>( Loss function)</a:t>
+          </a:r>
+        </a:p>
+        <a:p>
+          <a:pPr marL="0" lvl="0" indent="0" algn="ctr" defTabSz="488950">
+            <a:lnSpc>
+              <a:spcPct val="90000"/>
+            </a:lnSpc>
+            <a:spcBef>
+              <a:spcPct val="0"/>
+            </a:spcBef>
+            <a:spcAft>
+              <a:spcPct val="35000"/>
+            </a:spcAft>
+            <a:buNone/>
+            <a:defRPr cap="all"/>
+          </a:pPr>
+          <a:r>
+            <a:rPr lang="en-US" altLang="ko-KR" sz="1100" kern="1200" dirty="0"/>
+            <a:t>- </a:t>
+          </a:r>
+          <a:r>
+            <a:rPr lang="ko-KR" sz="1100" kern="1200" dirty="0"/>
+            <a:t>비용함수 </a:t>
+          </a:r>
+          <a:r>
+            <a:rPr lang="en-US" sz="1100" kern="1200" dirty="0"/>
             <a:t>(Cost Function)</a:t>
+          </a:r>
+        </a:p>
+        <a:p>
+          <a:pPr marL="0" lvl="0" indent="0" algn="ctr" defTabSz="488950">
+            <a:lnSpc>
+              <a:spcPct val="90000"/>
+            </a:lnSpc>
+            <a:spcBef>
+              <a:spcPct val="0"/>
+            </a:spcBef>
+            <a:spcAft>
+              <a:spcPct val="35000"/>
+            </a:spcAft>
+            <a:buNone/>
+            <a:defRPr cap="all"/>
+          </a:pPr>
+          <a:r>
+            <a:rPr lang="en-US" sz="1100" kern="1200" dirty="0"/>
+            <a:t>- </a:t>
+          </a:r>
+          <a:r>
+            <a:rPr lang="ko-KR" altLang="en-US" sz="1100" kern="1200" dirty="0"/>
+            <a:t>목적함수</a:t>
+          </a:r>
+          <a:r>
+            <a:rPr lang="en-US" altLang="ko-KR" sz="1100" kern="1200" dirty="0"/>
+            <a:t>(</a:t>
+          </a:r>
+          <a:r>
+            <a:rPr lang="en-US" sz="1100" kern="1200" dirty="0"/>
+            <a:t>Objective function)</a:t>
           </a:r>
         </a:p>
       </dsp:txBody>
       <dsp:txXfrm>
-        <a:off x="1114199" y="2973040"/>
-        <a:ext cx="3600000" cy="720000"/>
+        <a:off x="481846" y="2357774"/>
+        <a:ext cx="3318750" cy="1427854"/>
       </dsp:txXfrm>
     </dsp:sp>
     <dsp:sp modelId="{8C5C63D4-126D-47A6-B49E-204A3D8CE2B6}">
@@ -2645,8 +2792,8 @@
       </dsp:nvSpPr>
       <dsp:spPr>
         <a:xfrm>
-          <a:off x="6046199" y="93039"/>
-          <a:ext cx="2196000" cy="2196000"/>
+          <a:off x="3733420" y="121777"/>
+          <a:ext cx="2024437" cy="2024437"/>
         </a:xfrm>
         <a:prstGeom prst="ellipse">
           <a:avLst/>
@@ -2684,8 +2831,8 @@
       </dsp:nvSpPr>
       <dsp:spPr>
         <a:xfrm>
-          <a:off x="6514199" y="561039"/>
-          <a:ext cx="1260000" cy="1260000"/>
+          <a:off x="4174122" y="580727"/>
+          <a:ext cx="1161562" cy="1161562"/>
         </a:xfrm>
         <a:prstGeom prst="rect">
           <a:avLst/>
@@ -2734,8 +2881,8 @@
       </dsp:nvSpPr>
       <dsp:spPr>
         <a:xfrm>
-          <a:off x="5344199" y="2973040"/>
-          <a:ext cx="3600000" cy="720000"/>
+          <a:off x="2927035" y="2341728"/>
+          <a:ext cx="3318750" cy="832500"/>
         </a:xfrm>
         <a:prstGeom prst="rect">
           <a:avLst/>
@@ -2764,7 +2911,7 @@
         </a:bodyPr>
         <a:lstStyle/>
         <a:p>
-          <a:pPr marL="0" lvl="0" indent="0" algn="ctr" defTabSz="755650">
+          <a:pPr marL="0" lvl="0" indent="0" algn="ctr" defTabSz="488950">
             <a:lnSpc>
               <a:spcPct val="90000"/>
             </a:lnSpc>
@@ -2778,19 +2925,90 @@
             <a:defRPr cap="all"/>
           </a:pPr>
           <a:r>
-            <a:rPr lang="en-US" sz="1700" kern="1200"/>
+            <a:rPr lang="en-US" sz="1100" kern="1200" dirty="0"/>
             <a:t>- </a:t>
           </a:r>
           <a:r>
-            <a:rPr lang="ko-KR" sz="1700" kern="1200"/>
-            <a:t>예측값과 실제값의 차이</a:t>
+            <a:rPr lang="ko-KR" sz="1100" kern="1200" dirty="0"/>
+            <a:t>예측</a:t>
           </a:r>
-          <a:endParaRPr lang="en-US" sz="1700" kern="1200"/>
+          <a:r>
+            <a:rPr lang="en-US" altLang="ko-KR" sz="1100" kern="1200" dirty="0"/>
+            <a:t> </a:t>
+          </a:r>
+          <a:r>
+            <a:rPr lang="ko-KR" sz="1100" kern="1200" dirty="0"/>
+            <a:t>값과 실제</a:t>
+          </a:r>
+          <a:r>
+            <a:rPr lang="en-US" altLang="ko-KR" sz="1100" kern="1200" dirty="0"/>
+            <a:t> </a:t>
+          </a:r>
+          <a:r>
+            <a:rPr lang="ko-KR" sz="1100" kern="1200" dirty="0"/>
+            <a:t>값의 차이</a:t>
+          </a:r>
+          <a:endParaRPr lang="en-US" altLang="ko-KR" sz="1100" kern="1200" dirty="0"/>
+        </a:p>
+        <a:p>
+          <a:pPr marL="0" lvl="0" indent="0" algn="ctr" defTabSz="488950">
+            <a:lnSpc>
+              <a:spcPct val="90000"/>
+            </a:lnSpc>
+            <a:spcBef>
+              <a:spcPct val="0"/>
+            </a:spcBef>
+            <a:spcAft>
+              <a:spcPct val="35000"/>
+            </a:spcAft>
+            <a:buNone/>
+            <a:defRPr cap="all"/>
+          </a:pPr>
+          <a:r>
+            <a:rPr lang="en-US" sz="1100" kern="1200" dirty="0"/>
+            <a:t>- </a:t>
+          </a:r>
+          <a:r>
+            <a:rPr lang="ko-KR" altLang="en-US" sz="1100" kern="1200" dirty="0"/>
+            <a:t>최적화 </a:t>
+          </a:r>
+          <a:r>
+            <a:rPr lang="en-US" altLang="ko-KR" sz="1100" kern="1200" dirty="0"/>
+            <a:t>(optimization)</a:t>
+          </a:r>
+        </a:p>
+        <a:p>
+          <a:pPr marL="0" lvl="0" indent="0" algn="ctr" defTabSz="488950">
+            <a:lnSpc>
+              <a:spcPct val="90000"/>
+            </a:lnSpc>
+            <a:spcBef>
+              <a:spcPct val="0"/>
+            </a:spcBef>
+            <a:spcAft>
+              <a:spcPct val="35000"/>
+            </a:spcAft>
+            <a:buNone/>
+            <a:defRPr cap="all"/>
+          </a:pPr>
+          <a:r>
+            <a:rPr lang="en-US" sz="1100" kern="1200" dirty="0"/>
+            <a:t>- </a:t>
+          </a:r>
+          <a:r>
+            <a:rPr lang="ko-KR" altLang="en-US" sz="1100" kern="1200" dirty="0"/>
+            <a:t>일반화 </a:t>
+          </a:r>
+          <a:r>
+            <a:rPr lang="en-US" altLang="ko-KR" sz="1100" kern="1200" dirty="0"/>
+            <a:t>(Generalization)</a:t>
+          </a:r>
+          <a:endParaRPr lang="en-US" sz="1100" kern="1200" dirty="0"/>
         </a:p>
       </dsp:txBody>
       <dsp:txXfrm>
-        <a:off x="5344199" y="2973040"/>
-        <a:ext cx="3600000" cy="720000"/>
+        <a:off x="2927035" y="2341728"/>
+        <a:ext cx="3318750" cy="832500"/>
       </dsp:txXfrm>
     </dsp:sp>
   </dsp:spTree>
@@ -5707,7 +5925,7 @@
           <a:p>
             <a:fld id="{2D82DE9E-7BC5-4CBF-91D5-C8943AFE4BB2}" type="datetimeFigureOut">
               <a:rPr lang="en-US" altLang="ko-KR"/>
-              <a:t>1/30/2020</a:t>
+              <a:t>1/31/2020</a:t>
             </a:fld>
             <a:endParaRPr lang="ko-KR" altLang="en-US"/>
           </a:p>
@@ -8839,16 +9057,34 @@
           <a:lstStyle/>
           <a:p>
             <a:r>
-              <a:rPr lang="en-US" altLang="ko-KR" dirty="0"/>
-              <a:t>Loss function </a:t>
-            </a:r>
-            <a:r>
-              <a:rPr lang="ko-KR" altLang="en-US" dirty="0"/>
-              <a:t>은 손실함수라고 하고 또는 </a:t>
-            </a:r>
-            <a:r>
-              <a:rPr lang="en-US" altLang="ko-KR" dirty="0"/>
-              <a:t>cost function </a:t>
+              <a:rPr lang="ko-KR" altLang="en-US" dirty="0"/>
+              <a:t>비용을 계산하는 함수로는 </a:t>
+            </a:r>
+            <a:r>
+              <a:rPr lang="en-US" altLang="ko-KR" dirty="0"/>
+              <a:t>3</a:t>
+            </a:r>
+            <a:r>
+              <a:rPr lang="ko-KR" altLang="en-US" dirty="0"/>
+              <a:t>가지 함수가 있습니다</a:t>
+            </a:r>
+            <a:r>
+              <a:rPr lang="en-US" altLang="ko-KR" dirty="0"/>
+              <a:t>.</a:t>
+            </a:r>
+          </a:p>
+          <a:p>
+            <a:r>
+              <a:rPr lang="en-US" altLang="ko-KR" dirty="0"/>
+              <a:t>Loss function,</a:t>
+            </a:r>
+            <a:r>
+              <a:rPr lang="ko-KR" altLang="en-US" dirty="0"/>
+              <a:t> </a:t>
+            </a:r>
+            <a:r>
+              <a:rPr lang="en-US" altLang="ko-KR" dirty="0"/>
+              <a:t>cost function , objective function</a:t>
             </a:r>
             <a:r>
               <a:rPr lang="ko-KR" altLang="en-US" dirty="0"/>
@@ -8876,6 +9112,305 @@
               <a:rPr lang="en-US" altLang="ko-KR" dirty="0"/>
               <a:t>.</a:t>
             </a:r>
+          </a:p>
+          <a:p>
+            <a:r>
+              <a:rPr lang="ko-KR" altLang="en-US" dirty="0"/>
+              <a:t>모델을 학습할 </a:t>
+            </a:r>
+            <a:r>
+              <a:rPr lang="ko-KR" altLang="en-US" dirty="0" err="1"/>
+              <a:t>떄는</a:t>
+            </a:r>
+            <a:r>
+              <a:rPr lang="ko-KR" altLang="en-US" dirty="0"/>
+              <a:t> 비용</a:t>
+            </a:r>
+            <a:r>
+              <a:rPr lang="en-US" altLang="ko-KR" dirty="0"/>
+              <a:t>, </a:t>
+            </a:r>
+            <a:r>
+              <a:rPr lang="ko-KR" altLang="en-US" dirty="0"/>
+              <a:t>즉 오류를 최소화 하는 방향으로 진행 됩니다</a:t>
+            </a:r>
+            <a:r>
+              <a:rPr lang="en-US" altLang="ko-KR" dirty="0"/>
+              <a:t>.</a:t>
+            </a:r>
+          </a:p>
+          <a:p>
+            <a:r>
+              <a:rPr lang="ko-KR" altLang="en-US" dirty="0"/>
+              <a:t>비용이 최소화 되는 곳이 성능이 가장 잘 나오는 부분이며</a:t>
+            </a:r>
+            <a:r>
+              <a:rPr lang="en-US" altLang="ko-KR" dirty="0"/>
+              <a:t>, </a:t>
+            </a:r>
+            <a:r>
+              <a:rPr lang="ko-KR" altLang="en-US" dirty="0"/>
+              <a:t>가장 비용이 적은 부분을 찾는 것이 최적화이고</a:t>
+            </a:r>
+            <a:r>
+              <a:rPr lang="en-US" altLang="ko-KR" dirty="0"/>
+              <a:t>,</a:t>
+            </a:r>
+          </a:p>
+          <a:p>
+            <a:r>
+              <a:rPr lang="ko-KR" altLang="en-US" dirty="0"/>
+              <a:t>일반화의 방법이라고 할 수 있습니다</a:t>
+            </a:r>
+            <a:r>
+              <a:rPr lang="en-US" altLang="ko-KR" dirty="0"/>
+              <a:t>. </a:t>
+            </a:r>
+          </a:p>
+          <a:p>
+            <a:r>
+              <a:rPr lang="ko-KR" altLang="en-US" dirty="0"/>
+              <a:t>비용을 표시하는 함수로는 비용함수</a:t>
+            </a:r>
+            <a:r>
+              <a:rPr lang="en-US" altLang="ko-KR" dirty="0"/>
+              <a:t>, </a:t>
+            </a:r>
+            <a:r>
+              <a:rPr lang="ko-KR" altLang="en-US" dirty="0"/>
+              <a:t>손실함수</a:t>
+            </a:r>
+            <a:r>
+              <a:rPr lang="en-US" altLang="ko-KR" dirty="0"/>
+              <a:t>, </a:t>
+            </a:r>
+            <a:r>
+              <a:rPr lang="ko-KR" altLang="en-US" dirty="0"/>
+              <a:t>목적함수 세가지 함수가 존재합니다</a:t>
+            </a:r>
+            <a:r>
+              <a:rPr lang="en-US" altLang="ko-KR" dirty="0"/>
+              <a:t>.</a:t>
+            </a:r>
+          </a:p>
+          <a:p>
+            <a:r>
+              <a:rPr lang="ko-KR" altLang="en-US" dirty="0"/>
+              <a:t>이 세 함수의 의미가 큰 차이는 없지만 미묘한 차이가 존재한다고 합니다</a:t>
+            </a:r>
+            <a:r>
+              <a:rPr lang="en-US" altLang="ko-KR" dirty="0"/>
+              <a:t>.</a:t>
+            </a:r>
+          </a:p>
+          <a:p>
+            <a:endParaRPr lang="en-US" altLang="ko-KR" dirty="0"/>
+          </a:p>
+          <a:p>
+            <a:endParaRPr lang="en-US" altLang="ko-KR" dirty="0"/>
+          </a:p>
+          <a:p>
+            <a:r>
+              <a:rPr lang="en-US" altLang="ko-KR" dirty="0"/>
+              <a:t>111111111111111111111111111</a:t>
+            </a:r>
+          </a:p>
+          <a:p>
+            <a:r>
+              <a:rPr lang="ko-KR" altLang="en-US" dirty="0"/>
+              <a:t>먼저 손실함수는 </a:t>
+            </a:r>
+            <a:r>
+              <a:rPr lang="ko-KR" altLang="en-US" dirty="0" err="1"/>
+              <a:t>특정값과</a:t>
+            </a:r>
+            <a:r>
+              <a:rPr lang="ko-KR" altLang="en-US" dirty="0"/>
+              <a:t> 파라미터를 설정해서 어떤</a:t>
+            </a:r>
+            <a:r>
+              <a:rPr lang="en-US" altLang="ko-KR" dirty="0"/>
+              <a:t>(single)</a:t>
+            </a:r>
+            <a:r>
+              <a:rPr lang="ko-KR" altLang="en-US" dirty="0"/>
+              <a:t>결과값이 나오는 우리가 일반적으로 생각하는</a:t>
+            </a:r>
+            <a:endParaRPr lang="en-US" altLang="ko-KR" dirty="0"/>
+          </a:p>
+          <a:p>
+            <a:r>
+              <a:rPr lang="ko-KR" altLang="en-US" dirty="0"/>
+              <a:t>함수 수식 </a:t>
+            </a:r>
+            <a:r>
+              <a:rPr lang="ko-KR" altLang="en-US" dirty="0" err="1"/>
+              <a:t>그대로인것</a:t>
+            </a:r>
+            <a:r>
+              <a:rPr lang="ko-KR" altLang="en-US" dirty="0"/>
+              <a:t> 같습니다</a:t>
+            </a:r>
+            <a:r>
+              <a:rPr lang="en-US" altLang="ko-KR" dirty="0"/>
+              <a:t>.</a:t>
+            </a:r>
+          </a:p>
+          <a:p>
+            <a:endParaRPr lang="en-US" altLang="ko-KR" dirty="0"/>
+          </a:p>
+          <a:p>
+            <a:endParaRPr lang="en-US" altLang="ko-KR" dirty="0"/>
+          </a:p>
+          <a:p>
+            <a:r>
+              <a:rPr lang="en-US" altLang="ko-KR" dirty="0"/>
+              <a:t>222222222222222222222222</a:t>
+            </a:r>
+          </a:p>
+          <a:p>
+            <a:r>
+              <a:rPr lang="ko-KR" altLang="en-US" dirty="0" err="1"/>
+              <a:t>그다음</a:t>
+            </a:r>
+            <a:r>
+              <a:rPr lang="ko-KR" altLang="en-US" dirty="0"/>
+              <a:t> 비용함수는 시그마의 기호를 사용하는 것을 보고 알 수 있듯이 </a:t>
+            </a:r>
+            <a:r>
+              <a:rPr lang="en-US" altLang="ko-KR" dirty="0"/>
+              <a:t>single data</a:t>
+            </a:r>
+            <a:r>
+              <a:rPr lang="ko-KR" altLang="en-US" dirty="0"/>
+              <a:t>가 아닌 전체데이터 셋을</a:t>
+            </a:r>
+            <a:endParaRPr lang="en-US" altLang="ko-KR" dirty="0"/>
+          </a:p>
+          <a:p>
+            <a:r>
+              <a:rPr lang="ko-KR" altLang="en-US" dirty="0"/>
+              <a:t>다루는 것입니다</a:t>
+            </a:r>
+            <a:r>
+              <a:rPr lang="en-US" altLang="ko-KR" dirty="0"/>
+              <a:t>. </a:t>
+            </a:r>
+            <a:r>
+              <a:rPr lang="ko-KR" altLang="en-US" dirty="0"/>
+              <a:t>따라서 순간순간 마다 손실을 판단할 때는 </a:t>
+            </a:r>
+            <a:r>
+              <a:rPr lang="en-US" altLang="ko-KR" dirty="0"/>
+              <a:t>loss function</a:t>
+            </a:r>
+            <a:r>
+              <a:rPr lang="ko-KR" altLang="en-US" dirty="0"/>
+              <a:t>을 </a:t>
+            </a:r>
+            <a:endParaRPr lang="en-US" altLang="ko-KR" dirty="0"/>
+          </a:p>
+          <a:p>
+            <a:r>
+              <a:rPr lang="ko-KR" altLang="en-US" dirty="0"/>
+              <a:t>학습 완료된 후에 전체 데이터 셋에 대한 손실을 판단할 때는 </a:t>
+            </a:r>
+            <a:r>
+              <a:rPr lang="en-US" altLang="ko-KR" dirty="0"/>
+              <a:t>cost </a:t>
+            </a:r>
+            <a:r>
+              <a:rPr lang="en-US" altLang="ko-KR" dirty="0" err="1"/>
+              <a:t>functio</a:t>
+            </a:r>
+            <a:r>
+              <a:rPr lang="ko-KR" altLang="en-US" dirty="0"/>
+              <a:t>을 확인하면 될 것 같습니다</a:t>
+            </a:r>
+            <a:r>
+              <a:rPr lang="en-US" altLang="ko-KR" dirty="0"/>
+              <a:t>.</a:t>
+            </a:r>
+          </a:p>
+          <a:p>
+            <a:r>
+              <a:rPr lang="en-US" altLang="ko-KR" dirty="0"/>
+              <a:t>33333333333333333333333</a:t>
+            </a:r>
+          </a:p>
+          <a:p>
+            <a:r>
+              <a:rPr lang="ko-KR" altLang="en-US" dirty="0"/>
+              <a:t>마지막으로 목적함수는 모델에서 우리가 가장 일반적으로 사용하는 용어라고 합니다</a:t>
+            </a:r>
+            <a:r>
+              <a:rPr lang="en-US" altLang="ko-KR" dirty="0"/>
+              <a:t>.</a:t>
+            </a:r>
+          </a:p>
+          <a:p>
+            <a:r>
+              <a:rPr lang="ko-KR" altLang="en-US" dirty="0"/>
+              <a:t>최댓값과 최솟값을 구하는 함수입니다</a:t>
+            </a:r>
+            <a:r>
+              <a:rPr lang="en-US" altLang="ko-KR" dirty="0"/>
+              <a:t>.</a:t>
+            </a:r>
+          </a:p>
+          <a:p>
+            <a:r>
+              <a:rPr lang="en-US" altLang="ko-KR" dirty="0"/>
+              <a:t>Loss</a:t>
+            </a:r>
+            <a:r>
+              <a:rPr lang="ko-KR" altLang="en-US" dirty="0"/>
+              <a:t>와 </a:t>
+            </a:r>
+            <a:r>
+              <a:rPr lang="en-US" altLang="ko-KR" dirty="0"/>
+              <a:t>cost </a:t>
+            </a:r>
+            <a:r>
+              <a:rPr lang="ko-KR" altLang="en-US" dirty="0"/>
+              <a:t>함수 모두 결국 최솟값을 구해야 하는 것이니까 목적함수가 가장 큰 범주를 갖는 것이라는 생각을</a:t>
+            </a:r>
+            <a:endParaRPr lang="en-US" altLang="ko-KR" dirty="0"/>
+          </a:p>
+          <a:p>
+            <a:r>
+              <a:rPr lang="ko-KR" altLang="en-US" dirty="0"/>
+              <a:t>갖게 되었습니다</a:t>
+            </a:r>
+            <a:r>
+              <a:rPr lang="en-US" altLang="ko-KR" dirty="0"/>
+              <a:t>.</a:t>
+            </a:r>
+          </a:p>
+          <a:p>
+            <a:r>
+              <a:rPr lang="ko-KR" altLang="en-US" dirty="0"/>
+              <a:t>따라서 </a:t>
+            </a:r>
+            <a:r>
+              <a:rPr lang="en-US" altLang="ko-KR" dirty="0"/>
+              <a:t>loss &lt;= cost &lt;= objective function</a:t>
+            </a:r>
+            <a:r>
+              <a:rPr lang="ko-KR" altLang="en-US" dirty="0"/>
+              <a:t>의 집합관계가 될 </a:t>
+            </a:r>
+            <a:r>
+              <a:rPr lang="ko-KR" altLang="en-US" dirty="0" err="1"/>
+              <a:t>것같습니다</a:t>
+            </a:r>
+            <a:r>
+              <a:rPr lang="en-US" altLang="ko-KR" dirty="0"/>
+              <a:t>.</a:t>
+            </a:r>
+          </a:p>
+          <a:p>
+            <a:endParaRPr lang="en-US" altLang="ko-KR" dirty="0"/>
           </a:p>
           <a:p>
             <a:r>
@@ -11355,7 +11890,7 @@
           <a:p>
             <a:fld id="{62D6E202-B606-4609-B914-27C9371A1F6D}" type="datetime1">
               <a:rPr lang="en-US" smtClean="0"/>
-              <a:t>1/30/2020</a:t>
+              <a:t>1/31/2020</a:t>
             </a:fld>
             <a:endParaRPr lang="en-US" dirty="0"/>
           </a:p>
@@ -11554,7 +12089,7 @@
           <a:p>
             <a:fld id="{62D6E202-B606-4609-B914-27C9371A1F6D}" type="datetime1">
               <a:rPr lang="en-US" smtClean="0"/>
-              <a:t>1/30/2020</a:t>
+              <a:t>1/31/2020</a:t>
             </a:fld>
             <a:endParaRPr lang="en-US" dirty="0"/>
           </a:p>
@@ -11763,7 +12298,7 @@
           <a:p>
             <a:fld id="{62D6E202-B606-4609-B914-27C9371A1F6D}" type="datetime1">
               <a:rPr lang="en-US" smtClean="0"/>
-              <a:t>1/30/2020</a:t>
+              <a:t>1/31/2020</a:t>
             </a:fld>
             <a:endParaRPr lang="en-US" dirty="0"/>
           </a:p>
@@ -11962,7 +12497,7 @@
           <a:p>
             <a:fld id="{62D6E202-B606-4609-B914-27C9371A1F6D}" type="datetime1">
               <a:rPr lang="en-US" smtClean="0"/>
-              <a:t>1/30/2020</a:t>
+              <a:t>1/31/2020</a:t>
             </a:fld>
             <a:endParaRPr lang="en-US" dirty="0"/>
           </a:p>
@@ -12238,7 +12773,7 @@
           <a:p>
             <a:fld id="{62D6E202-B606-4609-B914-27C9371A1F6D}" type="datetime1">
               <a:rPr lang="en-US" smtClean="0"/>
-              <a:t>1/30/2020</a:t>
+              <a:t>1/31/2020</a:t>
             </a:fld>
             <a:endParaRPr lang="en-US" dirty="0"/>
           </a:p>
@@ -12504,7 +13039,7 @@
           <a:p>
             <a:fld id="{62D6E202-B606-4609-B914-27C9371A1F6D}" type="datetime1">
               <a:rPr lang="en-US" smtClean="0"/>
-              <a:t>1/30/2020</a:t>
+              <a:t>1/31/2020</a:t>
             </a:fld>
             <a:endParaRPr lang="en-US" dirty="0"/>
           </a:p>
@@ -12917,7 +13452,7 @@
           <a:p>
             <a:fld id="{62D6E202-B606-4609-B914-27C9371A1F6D}" type="datetime1">
               <a:rPr lang="en-US" smtClean="0"/>
-              <a:t>1/30/2020</a:t>
+              <a:t>1/31/2020</a:t>
             </a:fld>
             <a:endParaRPr lang="en-US" dirty="0"/>
           </a:p>
@@ -13059,7 +13594,7 @@
           <a:p>
             <a:fld id="{62D6E202-B606-4609-B914-27C9371A1F6D}" type="datetime1">
               <a:rPr lang="en-US" smtClean="0"/>
-              <a:t>1/30/2020</a:t>
+              <a:t>1/31/2020</a:t>
             </a:fld>
             <a:endParaRPr lang="en-US" dirty="0"/>
           </a:p>
@@ -13173,7 +13708,7 @@
           <a:p>
             <a:fld id="{62D6E202-B606-4609-B914-27C9371A1F6D}" type="datetime1">
               <a:rPr lang="en-US" smtClean="0"/>
-              <a:t>1/30/2020</a:t>
+              <a:t>1/31/2020</a:t>
             </a:fld>
             <a:endParaRPr lang="en-US" dirty="0"/>
           </a:p>
@@ -13485,7 +14020,7 @@
           <a:p>
             <a:fld id="{62D6E202-B606-4609-B914-27C9371A1F6D}" type="datetime1">
               <a:rPr lang="en-US" smtClean="0"/>
-              <a:t>1/30/2020</a:t>
+              <a:t>1/31/2020</a:t>
             </a:fld>
             <a:endParaRPr lang="en-US" dirty="0"/>
           </a:p>
@@ -13774,7 +14309,7 @@
           <a:p>
             <a:fld id="{62D6E202-B606-4609-B914-27C9371A1F6D}" type="datetime1">
               <a:rPr lang="en-US" smtClean="0"/>
-              <a:t>1/30/2020</a:t>
+              <a:t>1/31/2020</a:t>
             </a:fld>
             <a:endParaRPr lang="en-US" dirty="0"/>
           </a:p>
@@ -14016,7 +14551,7 @@
           <a:p>
             <a:fld id="{62D6E202-B606-4609-B914-27C9371A1F6D}" type="datetime1">
               <a:rPr lang="en-US" smtClean="0"/>
-              <a:t>1/30/2020</a:t>
+              <a:t>1/31/2020</a:t>
             </a:fld>
             <a:endParaRPr lang="en-US" dirty="0"/>
           </a:p>
@@ -16042,7 +16577,7 @@
         </p:nvSpPr>
         <p:spPr>
           <a:xfrm>
-            <a:off x="32561" y="2230978"/>
+            <a:off x="274877" y="2177209"/>
             <a:ext cx="4606495" cy="841247"/>
           </a:xfrm>
         </p:spPr>
@@ -16053,12 +16588,20 @@
           <a:lstStyle/>
           <a:p>
             <a:r>
-              <a:rPr lang="en-US" altLang="ko-KR" sz="1800" dirty="0"/>
+              <a:rPr lang="en-US" altLang="ko-KR" sz="2400" dirty="0"/>
               <a:t>-</a:t>
             </a:r>
             <a:r>
-              <a:rPr lang="ko-KR" altLang="en-US" sz="1800" dirty="0"/>
-              <a:t>모든 문제에 최적화된 활성화 함수는 없다</a:t>
+              <a:rPr lang="ko-KR" altLang="en-US" sz="2400" dirty="0"/>
+              <a:t>모든 문제에 최적화된 활성화 </a:t>
+            </a:r>
+            <a:r>
+              <a:rPr lang="en-US" altLang="ko-KR" sz="2400" dirty="0"/>
+              <a:t>	</a:t>
+            </a:r>
+            <a:r>
+              <a:rPr lang="ko-KR" altLang="en-US" sz="2400" dirty="0"/>
+              <a:t>함수는 없다</a:t>
             </a:r>
           </a:p>
         </p:txBody>
@@ -16274,8 +16817,8 @@
         </p:nvSpPr>
         <p:spPr>
           <a:xfrm>
-            <a:off x="0" y="3910253"/>
-            <a:ext cx="4881279" cy="841247"/>
+            <a:off x="356014" y="4146127"/>
+            <a:ext cx="4154842" cy="841247"/>
           </a:xfrm>
           <a:prstGeom prst="rect">
             <a:avLst/>
@@ -16283,7 +16826,7 @@
         </p:spPr>
         <p:txBody>
           <a:bodyPr vert="horz" lIns="91440" tIns="45720" rIns="91440" bIns="45720" rtlCol="0" anchor="ctr">
-            <a:normAutofit/>
+            <a:noAutofit/>
           </a:bodyPr>
           <a:lstStyle>
             <a:lvl1pPr algn="l" defTabSz="914400" rtl="0" eaLnBrk="1" latinLnBrk="1" hangingPunct="1">
@@ -16305,19 +16848,30 @@
             </a:lvl1pPr>
           </a:lstStyle>
           <a:p>
-            <a:r>
-              <a:rPr lang="en-US" altLang="ko-KR" sz="2000" dirty="0"/>
-              <a:t>- </a:t>
-            </a:r>
-            <a:r>
-              <a:rPr lang="ko-KR" altLang="en-US" sz="2000" dirty="0"/>
-              <a:t>손실함수와 활성화 함수의 관계가 있나</a:t>
-            </a:r>
-            <a:r>
-              <a:rPr lang="en-US" altLang="ko-KR" sz="2000" dirty="0"/>
+            <a:pPr marL="342900" indent="-342900">
+              <a:buFontTx/>
+              <a:buChar char="-"/>
+            </a:pPr>
+            <a:r>
+              <a:rPr lang="ko-KR" altLang="en-US" sz="2400" dirty="0"/>
+              <a:t>손실함수와 활성화 함수의</a:t>
+            </a:r>
+            <a:endParaRPr lang="en-US" altLang="ko-KR" sz="2400" dirty="0"/>
+          </a:p>
+          <a:p>
+            <a:r>
+              <a:rPr lang="en-US" altLang="ko-KR" sz="2400" dirty="0"/>
+              <a:t>	</a:t>
+            </a:r>
+            <a:r>
+              <a:rPr lang="ko-KR" altLang="en-US" sz="2400" dirty="0"/>
+              <a:t>관계성</a:t>
+            </a:r>
+            <a:r>
+              <a:rPr lang="en-US" altLang="ko-KR" sz="2400" dirty="0"/>
               <a:t>?</a:t>
             </a:r>
-            <a:endParaRPr lang="ko-KR" altLang="en-US" sz="2000" dirty="0"/>
+            <a:endParaRPr lang="ko-KR" altLang="en-US" sz="2400" dirty="0"/>
           </a:p>
         </p:txBody>
       </p:sp>
@@ -17193,7 +17747,7 @@
         </p:nvSpPr>
         <p:spPr>
           <a:xfrm>
-            <a:off x="5357938" y="4474741"/>
+            <a:off x="8942108" y="2705569"/>
             <a:ext cx="3249364" cy="1569660"/>
           </a:xfrm>
           <a:prstGeom prst="rect">
@@ -17301,7 +17855,12 @@
             <p:ph type="title"/>
           </p:nvPr>
         </p:nvSpPr>
-        <p:spPr/>
+        <p:spPr>
+          <a:xfrm>
+            <a:off x="457200" y="219075"/>
+            <a:ext cx="10515600" cy="1325563"/>
+          </a:xfrm>
+        </p:spPr>
         <p:txBody>
           <a:bodyPr>
             <a:normAutofit/>
@@ -17309,10 +17868,10 @@
           <a:lstStyle/>
           <a:p>
             <a:r>
-              <a:rPr lang="en-US" altLang="ko-KR"/>
-              <a:t>Loss Function</a:t>
-            </a:r>
-            <a:endParaRPr lang="ko-KR" altLang="en-US"/>
+              <a:rPr lang="en-US" altLang="ko-KR" dirty="0"/>
+              <a:t>Loss , Cost , Objective Function</a:t>
+            </a:r>
+            <a:endParaRPr lang="ko-KR" altLang="en-US" dirty="0"/>
           </a:p>
         </p:txBody>
       </p:sp>
@@ -17332,14 +17891,14 @@
             <p:ph idx="1"/>
             <p:extLst>
               <p:ext uri="{D42A27DB-BD31-4B8C-83A1-F6EECF244321}">
-                <p14:modId xmlns:p14="http://schemas.microsoft.com/office/powerpoint/2010/main" val="2224291215"/>
+                <p14:modId xmlns:p14="http://schemas.microsoft.com/office/powerpoint/2010/main" val="1916753689"/>
               </p:ext>
             </p:extLst>
           </p:nvPr>
         </p:nvGraphicFramePr>
         <p:xfrm>
-          <a:off x="1096963" y="2098515"/>
-          <a:ext cx="10058400" cy="3786080"/>
+          <a:off x="-742950" y="2146753"/>
+          <a:ext cx="8181975" cy="3786080"/>
         </p:xfrm>
         <a:graphic>
           <a:graphicData uri="http://schemas.openxmlformats.org/drawingml/2006/diagram">
@@ -17347,6 +17906,162 @@
           </a:graphicData>
         </a:graphic>
       </p:graphicFrame>
+      <p:pic>
+        <p:nvPicPr>
+          <p:cNvPr id="3" name="그림 2">
+            <a:extLst>
+              <a:ext uri="{FF2B5EF4-FFF2-40B4-BE49-F238E27FC236}">
+                <a16:creationId xmlns:a16="http://schemas.microsoft.com/office/drawing/2014/main" id="{F79410D4-5DF0-4B05-A900-CCFB54B8661B}"/>
+              </a:ext>
+            </a:extLst>
+          </p:cNvPr>
+          <p:cNvPicPr>
+            <a:picLocks noChangeAspect="1"/>
+          </p:cNvPicPr>
+          <p:nvPr/>
+        </p:nvPicPr>
+        <p:blipFill>
+          <a:blip r:embed="rId8"/>
+          <a:stretch>
+            <a:fillRect/>
+          </a:stretch>
+        </p:blipFill>
+        <p:spPr>
+          <a:xfrm>
+            <a:off x="5733199" y="5440088"/>
+            <a:ext cx="6457950" cy="619125"/>
+          </a:xfrm>
+          <a:prstGeom prst="rect">
+            <a:avLst/>
+          </a:prstGeom>
+        </p:spPr>
+      </p:pic>
+      <p:pic>
+        <p:nvPicPr>
+          <p:cNvPr id="4" name="그림 3">
+            <a:extLst>
+              <a:ext uri="{FF2B5EF4-FFF2-40B4-BE49-F238E27FC236}">
+                <a16:creationId xmlns:a16="http://schemas.microsoft.com/office/drawing/2014/main" id="{EF55A9DC-406A-4337-9A0F-3700D9CC1C45}"/>
+              </a:ext>
+            </a:extLst>
+          </p:cNvPr>
+          <p:cNvPicPr>
+            <a:picLocks noChangeAspect="1"/>
+          </p:cNvPicPr>
+          <p:nvPr/>
+        </p:nvPicPr>
+        <p:blipFill>
+          <a:blip r:embed="rId9"/>
+          <a:stretch>
+            <a:fillRect/>
+          </a:stretch>
+        </p:blipFill>
+        <p:spPr>
+          <a:xfrm>
+            <a:off x="5014913" y="3094453"/>
+            <a:ext cx="7177087" cy="1358552"/>
+          </a:xfrm>
+          <a:prstGeom prst="rect">
+            <a:avLst/>
+          </a:prstGeom>
+        </p:spPr>
+      </p:pic>
+      <p:pic>
+        <p:nvPicPr>
+          <p:cNvPr id="5" name="그림 4">
+            <a:extLst>
+              <a:ext uri="{FF2B5EF4-FFF2-40B4-BE49-F238E27FC236}">
+                <a16:creationId xmlns:a16="http://schemas.microsoft.com/office/drawing/2014/main" id="{24D755CB-A085-487A-8835-AEC15F2ED9D9}"/>
+              </a:ext>
+            </a:extLst>
+          </p:cNvPr>
+          <p:cNvPicPr>
+            <a:picLocks noChangeAspect="1"/>
+          </p:cNvPicPr>
+          <p:nvPr/>
+        </p:nvPicPr>
+        <p:blipFill>
+          <a:blip r:embed="rId10"/>
+          <a:stretch>
+            <a:fillRect/>
+          </a:stretch>
+        </p:blipFill>
+        <p:spPr>
+          <a:xfrm>
+            <a:off x="5733199" y="1544638"/>
+            <a:ext cx="6458801" cy="1447801"/>
+          </a:xfrm>
+          <a:prstGeom prst="rect">
+            <a:avLst/>
+          </a:prstGeom>
+        </p:spPr>
+      </p:pic>
+      <p:pic>
+        <p:nvPicPr>
+          <p:cNvPr id="6" name="그림 5">
+            <a:extLst>
+              <a:ext uri="{FF2B5EF4-FFF2-40B4-BE49-F238E27FC236}">
+                <a16:creationId xmlns:a16="http://schemas.microsoft.com/office/drawing/2014/main" id="{E9D2C4C9-BEEF-4DFC-B377-30C7D533BD88}"/>
+              </a:ext>
+            </a:extLst>
+          </p:cNvPr>
+          <p:cNvPicPr>
+            <a:picLocks noChangeAspect="1"/>
+          </p:cNvPicPr>
+          <p:nvPr/>
+        </p:nvPicPr>
+        <p:blipFill>
+          <a:blip r:embed="rId11"/>
+          <a:stretch>
+            <a:fillRect/>
+          </a:stretch>
+        </p:blipFill>
+        <p:spPr>
+          <a:xfrm>
+            <a:off x="4738191" y="4710406"/>
+            <a:ext cx="7410450" cy="285750"/>
+          </a:xfrm>
+          <a:prstGeom prst="rect">
+            <a:avLst/>
+          </a:prstGeom>
+        </p:spPr>
+      </p:pic>
+      <p:sp>
+        <p:nvSpPr>
+          <p:cNvPr id="7" name="TextBox 6">
+            <a:extLst>
+              <a:ext uri="{FF2B5EF4-FFF2-40B4-BE49-F238E27FC236}">
+                <a16:creationId xmlns:a16="http://schemas.microsoft.com/office/drawing/2014/main" id="{FE7C7A9A-FF6A-4BD0-8402-52BB37A47460}"/>
+              </a:ext>
+            </a:extLst>
+          </p:cNvPr>
+          <p:cNvSpPr txBox="1"/>
+          <p:nvPr/>
+        </p:nvSpPr>
+        <p:spPr>
+          <a:xfrm>
+            <a:off x="1205949" y="5699611"/>
+            <a:ext cx="3532242" cy="369332"/>
+          </a:xfrm>
+          <a:prstGeom prst="rect">
+            <a:avLst/>
+          </a:prstGeom>
+          <a:noFill/>
+        </p:spPr>
+        <p:txBody>
+          <a:bodyPr wrap="square" rtlCol="0">
+            <a:spAutoFit/>
+          </a:bodyPr>
+          <a:lstStyle/>
+          <a:p>
+            <a:r>
+              <a:rPr lang="en-US" altLang="ko-KR" dirty="0"/>
+              <a:t>Loss &lt;= Cost &lt;= Objective</a:t>
+            </a:r>
+            <a:endParaRPr lang="ko-KR" altLang="en-US" dirty="0"/>
+          </a:p>
+        </p:txBody>
+      </p:sp>
     </p:spTree>
     <p:extLst>
       <p:ext uri="{BB962C8B-B14F-4D97-AF65-F5344CB8AC3E}">
@@ -17395,7 +18110,7 @@
         </p:nvSpPr>
         <p:spPr>
           <a:xfrm>
-            <a:off x="1097280" y="875071"/>
+            <a:off x="821240" y="483911"/>
             <a:ext cx="1476956" cy="862289"/>
           </a:xfrm>
         </p:spPr>
@@ -17404,7 +18119,7 @@
           <a:lstStyle/>
           <a:p>
             <a:r>
-              <a:rPr lang="ko-KR" altLang="en-US"/>
+              <a:rPr lang="ko-KR" altLang="en-US" dirty="0"/>
               <a:t>종류</a:t>
             </a:r>
           </a:p>
@@ -18022,8 +18737,8 @@
         </p:blipFill>
         <p:spPr>
           <a:xfrm>
-            <a:off x="7052454" y="4359112"/>
-            <a:ext cx="4998817" cy="2007647"/>
+            <a:off x="6096000" y="4359112"/>
+            <a:ext cx="5955271" cy="2335602"/>
           </a:xfrm>
           <a:prstGeom prst="rect">
             <a:avLst/>
@@ -18534,24 +19249,32 @@
               <a:t>출력층의 </a:t>
             </a:r>
             <a:r>
-              <a:rPr lang="en-US" altLang="ko-KR" sz="2000" dirty="0" err="1"/>
-              <a:t>ouput</a:t>
+              <a:rPr lang="en-US" altLang="ko-KR" sz="2000" dirty="0"/>
+              <a:t>output</a:t>
             </a:r>
             <a:r>
               <a:rPr lang="ko-KR" altLang="en-US" sz="2000" dirty="0"/>
-              <a:t>이 출력 시 손실함수계산 </a:t>
+              <a:t>이 출력 시 </a:t>
+            </a:r>
+            <a:endParaRPr lang="en-US" altLang="ko-KR" sz="2000" dirty="0"/>
+          </a:p>
+          <a:p>
+            <a:pPr>
+              <a:spcAft>
+                <a:spcPts val="600"/>
+              </a:spcAft>
+            </a:pPr>
+            <a:r>
+              <a:rPr lang="ko-KR" altLang="en-US" sz="2000" dirty="0"/>
+              <a:t>손실함수계산 </a:t>
             </a:r>
             <a:r>
               <a:rPr lang="en-US" altLang="ko-KR" sz="2000" dirty="0"/>
               <a:t>-&gt; </a:t>
             </a:r>
             <a:r>
-              <a:rPr lang="ko-KR" altLang="en-US" sz="2000" dirty="0" err="1"/>
-              <a:t>실제값과</a:t>
-            </a:r>
-            <a:r>
               <a:rPr lang="ko-KR" altLang="en-US" sz="2000" dirty="0"/>
-              <a:t> 비교 가능</a:t>
+              <a:t>실제 값과 비교 가능</a:t>
             </a:r>
             <a:endParaRPr lang="en-US" altLang="ko-KR" sz="2000" dirty="0"/>
           </a:p>
@@ -18792,8 +19515,8 @@
         </p:nvSpPr>
         <p:spPr>
           <a:xfrm>
-            <a:off x="6401642" y="2902905"/>
-            <a:ext cx="4297351" cy="2959777"/>
+            <a:off x="6401642" y="3308477"/>
+            <a:ext cx="4297351" cy="1824216"/>
           </a:xfrm>
         </p:spPr>
         <p:txBody>
@@ -18924,8 +19647,8 @@
         </p:nvSpPr>
         <p:spPr>
           <a:xfrm>
-            <a:off x="979260" y="2902905"/>
-            <a:ext cx="4982626" cy="2959778"/>
+            <a:off x="975787" y="3308477"/>
+            <a:ext cx="4982626" cy="1799724"/>
           </a:xfrm>
           <a:prstGeom prst="rect">
             <a:avLst/>
